--- a/FigsAndTables/Diagram2_mbh.pptx
+++ b/FigsAndTables/Diagram2_mbh.pptx
@@ -254,7 +254,7 @@
           <a:p>
             <a:fld id="{178B7923-807C-004A-A13C-F68605DF8AAC}" type="datetimeFigureOut">
               <a:rPr lang="en-US" smtClean="0"/>
-              <a:t>8/2/18</a:t>
+              <a:t>8/7/18</a:t>
             </a:fld>
             <a:endParaRPr lang="en-US"/>
           </a:p>
@@ -424,7 +424,7 @@
           <a:p>
             <a:fld id="{178B7923-807C-004A-A13C-F68605DF8AAC}" type="datetimeFigureOut">
               <a:rPr lang="en-US" smtClean="0"/>
-              <a:t>8/2/18</a:t>
+              <a:t>8/7/18</a:t>
             </a:fld>
             <a:endParaRPr lang="en-US"/>
           </a:p>
@@ -604,7 +604,7 @@
           <a:p>
             <a:fld id="{178B7923-807C-004A-A13C-F68605DF8AAC}" type="datetimeFigureOut">
               <a:rPr lang="en-US" smtClean="0"/>
-              <a:t>8/2/18</a:t>
+              <a:t>8/7/18</a:t>
             </a:fld>
             <a:endParaRPr lang="en-US"/>
           </a:p>
@@ -774,7 +774,7 @@
           <a:p>
             <a:fld id="{178B7923-807C-004A-A13C-F68605DF8AAC}" type="datetimeFigureOut">
               <a:rPr lang="en-US" smtClean="0"/>
-              <a:t>8/2/18</a:t>
+              <a:t>8/7/18</a:t>
             </a:fld>
             <a:endParaRPr lang="en-US"/>
           </a:p>
@@ -1018,7 +1018,7 @@
           <a:p>
             <a:fld id="{178B7923-807C-004A-A13C-F68605DF8AAC}" type="datetimeFigureOut">
               <a:rPr lang="en-US" smtClean="0"/>
-              <a:t>8/2/18</a:t>
+              <a:t>8/7/18</a:t>
             </a:fld>
             <a:endParaRPr lang="en-US"/>
           </a:p>
@@ -1250,7 +1250,7 @@
           <a:p>
             <a:fld id="{178B7923-807C-004A-A13C-F68605DF8AAC}" type="datetimeFigureOut">
               <a:rPr lang="en-US" smtClean="0"/>
-              <a:t>8/2/18</a:t>
+              <a:t>8/7/18</a:t>
             </a:fld>
             <a:endParaRPr lang="en-US"/>
           </a:p>
@@ -1617,7 +1617,7 @@
           <a:p>
             <a:fld id="{178B7923-807C-004A-A13C-F68605DF8AAC}" type="datetimeFigureOut">
               <a:rPr lang="en-US" smtClean="0"/>
-              <a:t>8/2/18</a:t>
+              <a:t>8/7/18</a:t>
             </a:fld>
             <a:endParaRPr lang="en-US"/>
           </a:p>
@@ -1735,7 +1735,7 @@
           <a:p>
             <a:fld id="{178B7923-807C-004A-A13C-F68605DF8AAC}" type="datetimeFigureOut">
               <a:rPr lang="en-US" smtClean="0"/>
-              <a:t>8/2/18</a:t>
+              <a:t>8/7/18</a:t>
             </a:fld>
             <a:endParaRPr lang="en-US"/>
           </a:p>
@@ -1830,7 +1830,7 @@
           <a:p>
             <a:fld id="{178B7923-807C-004A-A13C-F68605DF8AAC}" type="datetimeFigureOut">
               <a:rPr lang="en-US" smtClean="0"/>
-              <a:t>8/2/18</a:t>
+              <a:t>8/7/18</a:t>
             </a:fld>
             <a:endParaRPr lang="en-US"/>
           </a:p>
@@ -2107,7 +2107,7 @@
           <a:p>
             <a:fld id="{178B7923-807C-004A-A13C-F68605DF8AAC}" type="datetimeFigureOut">
               <a:rPr lang="en-US" smtClean="0"/>
-              <a:t>8/2/18</a:t>
+              <a:t>8/7/18</a:t>
             </a:fld>
             <a:endParaRPr lang="en-US"/>
           </a:p>
@@ -2364,7 +2364,7 @@
           <a:p>
             <a:fld id="{178B7923-807C-004A-A13C-F68605DF8AAC}" type="datetimeFigureOut">
               <a:rPr lang="en-US" smtClean="0"/>
-              <a:t>8/2/18</a:t>
+              <a:t>8/7/18</a:t>
             </a:fld>
             <a:endParaRPr lang="en-US"/>
           </a:p>
@@ -2577,7 +2577,7 @@
           <a:p>
             <a:fld id="{178B7923-807C-004A-A13C-F68605DF8AAC}" type="datetimeFigureOut">
               <a:rPr lang="en-US" smtClean="0"/>
-              <a:t>8/2/18</a:t>
+              <a:t>8/7/18</a:t>
             </a:fld>
             <a:endParaRPr lang="en-US"/>
           </a:p>
@@ -2996,7 +2996,7 @@
         </p:nvGrpSpPr>
         <p:grpSpPr>
           <a:xfrm>
-            <a:off x="630081" y="472760"/>
+            <a:off x="598550" y="157449"/>
             <a:ext cx="10562780" cy="11402249"/>
             <a:chOff x="630081" y="472760"/>
             <a:chExt cx="10562780" cy="11402249"/>
@@ -3965,7 +3965,7 @@
             </p:nvSpPr>
             <p:spPr>
               <a:xfrm>
-                <a:off x="2422269" y="2801227"/>
+                <a:off x="2403617" y="2823961"/>
                 <a:ext cx="1431985" cy="523220"/>
               </a:xfrm>
               <a:prstGeom prst="rect">
@@ -4014,8 +4014,8 @@
             </p:nvSpPr>
             <p:spPr>
               <a:xfrm>
-                <a:off x="5584102" y="440847"/>
-                <a:ext cx="2179819" cy="954107"/>
+                <a:off x="5183281" y="458684"/>
+                <a:ext cx="2901824" cy="830997"/>
               </a:xfrm>
               <a:prstGeom prst="rect">
                 <a:avLst/>
@@ -4034,69 +4034,80 @@
               <a:lstStyle/>
               <a:p>
                 <a:r>
-                  <a:rPr lang="en-US" sz="2800" b="1" dirty="0">
+                  <a:rPr lang="en-US" sz="2400" b="1" dirty="0">
                     <a:latin typeface="Arial" panose="020B0604020202020204" pitchFamily="34" charset="0"/>
                     <a:cs typeface="Arial" panose="020B0604020202020204" pitchFamily="34" charset="0"/>
                   </a:rPr>
                   <a:t>N</a:t>
                 </a:r>
                 <a:r>
-                  <a:rPr lang="en-US" sz="2800" b="1" baseline="-25000" dirty="0">
+                  <a:rPr lang="en-US" sz="2400" b="1" baseline="-25000" dirty="0">
                     <a:latin typeface="Arial" panose="020B0604020202020204" pitchFamily="34" charset="0"/>
                     <a:cs typeface="Arial" panose="020B0604020202020204" pitchFamily="34" charset="0"/>
                   </a:rPr>
                   <a:t>B2</a:t>
                 </a:r>
                 <a:r>
-                  <a:rPr lang="en-US" sz="2800" b="1" dirty="0">
+                  <a:rPr lang="en-US" sz="2400" b="1" dirty="0">
                     <a:latin typeface="Arial" panose="020B0604020202020204" pitchFamily="34" charset="0"/>
                     <a:cs typeface="Arial" panose="020B0604020202020204" pitchFamily="34" charset="0"/>
                   </a:rPr>
-                  <a:t>  &gt;  N</a:t>
+                  <a:t> &gt; N</a:t>
                 </a:r>
                 <a:r>
-                  <a:rPr lang="en-US" sz="2800" b="1" baseline="-25000" dirty="0">
+                  <a:rPr lang="en-US" sz="2400" b="1" baseline="-25000" dirty="0">
                     <a:latin typeface="Arial" panose="020B0604020202020204" pitchFamily="34" charset="0"/>
                     <a:cs typeface="Arial" panose="020B0604020202020204" pitchFamily="34" charset="0"/>
                   </a:rPr>
-                  <a:t>B1</a:t>
+                  <a:t>B1 </a:t>
                 </a:r>
+                <a:r>
+                  <a:rPr lang="en-US" sz="2400" b="1" dirty="0">
+                    <a:latin typeface="Arial" panose="020B0604020202020204" pitchFamily="34" charset="0"/>
+                    <a:cs typeface="Arial" panose="020B0604020202020204" pitchFamily="34" charset="0"/>
+                  </a:rPr>
+                  <a:t>(p &lt; 0.01)</a:t>
+                </a:r>
+                <a:endParaRPr lang="en-US" sz="2400" b="1" baseline="-25000" dirty="0">
+                  <a:latin typeface="Arial" panose="020B0604020202020204" pitchFamily="34" charset="0"/>
+                  <a:cs typeface="Arial" panose="020B0604020202020204" pitchFamily="34" charset="0"/>
+                </a:endParaRPr>
               </a:p>
               <a:p>
                 <a:r>
-                  <a:rPr lang="en-US" sz="2800" b="1" dirty="0">
+                  <a:rPr lang="en-US" sz="2400" b="1" dirty="0">
                     <a:latin typeface="Arial" panose="020B0604020202020204" pitchFamily="34" charset="0"/>
                     <a:cs typeface="Arial" panose="020B0604020202020204" pitchFamily="34" charset="0"/>
                   </a:rPr>
                   <a:t> t</a:t>
                 </a:r>
                 <a:r>
-                  <a:rPr lang="en-US" sz="2800" b="1" baseline="-25000" dirty="0">
+                  <a:rPr lang="en-US" sz="2400" b="1" baseline="-25000" dirty="0">
                     <a:latin typeface="Arial" panose="020B0604020202020204" pitchFamily="34" charset="0"/>
                     <a:cs typeface="Arial" panose="020B0604020202020204" pitchFamily="34" charset="0"/>
                   </a:rPr>
-                  <a:t>d2    </a:t>
+                  <a:t>d2   </a:t>
                 </a:r>
                 <a:r>
-                  <a:rPr lang="en-US" sz="2800" b="1" dirty="0">
+                  <a:rPr lang="en-US" sz="2400" b="1" dirty="0">
                     <a:latin typeface="Arial" panose="020B0604020202020204" pitchFamily="34" charset="0"/>
                     <a:cs typeface="Arial" panose="020B0604020202020204" pitchFamily="34" charset="0"/>
                   </a:rPr>
-                  <a:t>&gt;   t</a:t>
+                  <a:t>&gt;  t</a:t>
                 </a:r>
                 <a:r>
-                  <a:rPr lang="en-US" sz="2800" b="1" baseline="-25000" dirty="0">
+                  <a:rPr lang="en-US" sz="2400" b="1" baseline="-25000" dirty="0">
                     <a:latin typeface="Arial" panose="020B0604020202020204" pitchFamily="34" charset="0"/>
                     <a:cs typeface="Arial" panose="020B0604020202020204" pitchFamily="34" charset="0"/>
                   </a:rPr>
                   <a:t>d1</a:t>
                 </a:r>
                 <a:r>
-                  <a:rPr lang="en-US" sz="2800" b="1" dirty="0">
+                  <a:rPr lang="en-US" sz="2400" b="1" dirty="0">
                     <a:latin typeface="Arial" panose="020B0604020202020204" pitchFamily="34" charset="0"/>
                     <a:cs typeface="Arial" panose="020B0604020202020204" pitchFamily="34" charset="0"/>
                   </a:rPr>
-                  <a:t> </a:t>
+                  <a:t> (p=0.06)</a:t>
                 </a:r>
               </a:p>
             </p:txBody>
@@ -4434,6 +4445,250 @@
           </p:grpSp>
         </p:grpSp>
       </p:grpSp>
+      <p:sp>
+        <p:nvSpPr>
+          <p:cNvPr id="35" name="TextBox 34">
+            <a:extLst>
+              <a:ext uri="{FF2B5EF4-FFF2-40B4-BE49-F238E27FC236}">
+                <a16:creationId xmlns:a16="http://schemas.microsoft.com/office/drawing/2014/main" id="{3268787F-ADA7-CC45-94D6-2056DADC9152}"/>
+              </a:ext>
+            </a:extLst>
+          </p:cNvPr>
+          <p:cNvSpPr txBox="1"/>
+          <p:nvPr/>
+        </p:nvSpPr>
+        <p:spPr>
+          <a:xfrm>
+            <a:off x="2508265" y="11491730"/>
+            <a:ext cx="4113252" cy="584775"/>
+          </a:xfrm>
+          <a:prstGeom prst="rect">
+            <a:avLst/>
+          </a:prstGeom>
+          <a:noFill/>
+          <a:ln>
+            <a:solidFill>
+              <a:schemeClr val="tx1"/>
+            </a:solidFill>
+          </a:ln>
+        </p:spPr>
+        <p:txBody>
+          <a:bodyPr wrap="square" rtlCol="0">
+            <a:spAutoFit/>
+          </a:bodyPr>
+          <a:lstStyle/>
+          <a:p>
+            <a:r>
+              <a:rPr lang="en-US" sz="1600" dirty="0">
+                <a:latin typeface="Arial" panose="020B0604020202020204" pitchFamily="34" charset="0"/>
+                <a:cs typeface="Arial" panose="020B0604020202020204" pitchFamily="34" charset="0"/>
+              </a:rPr>
+              <a:t>N</a:t>
+            </a:r>
+            <a:r>
+              <a:rPr lang="en-US" sz="1600" baseline="-25000" dirty="0">
+                <a:latin typeface="Arial" panose="020B0604020202020204" pitchFamily="34" charset="0"/>
+                <a:cs typeface="Arial" panose="020B0604020202020204" pitchFamily="34" charset="0"/>
+              </a:rPr>
+              <a:t>A</a:t>
+            </a:r>
+            <a:r>
+              <a:rPr lang="en-US" sz="1600" dirty="0">
+                <a:latin typeface="Arial" panose="020B0604020202020204" pitchFamily="34" charset="0"/>
+                <a:cs typeface="Arial" panose="020B0604020202020204" pitchFamily="34" charset="0"/>
+              </a:rPr>
+              <a:t> = N</a:t>
+            </a:r>
+            <a:r>
+              <a:rPr lang="en-US" sz="1600" baseline="-25000" dirty="0">
+                <a:latin typeface="Arial" panose="020B0604020202020204" pitchFamily="34" charset="0"/>
+                <a:cs typeface="Arial" panose="020B0604020202020204" pitchFamily="34" charset="0"/>
+              </a:rPr>
+              <a:t>I</a:t>
+            </a:r>
+            <a:r>
+              <a:rPr lang="en-US" sz="1600" dirty="0">
+                <a:latin typeface="Arial" panose="020B0604020202020204" pitchFamily="34" charset="0"/>
+                <a:cs typeface="Arial" panose="020B0604020202020204" pitchFamily="34" charset="0"/>
+              </a:rPr>
+              <a:t> = N</a:t>
+            </a:r>
+            <a:r>
+              <a:rPr lang="en-US" sz="1600" baseline="-25000" dirty="0">
+                <a:latin typeface="Arial" panose="020B0604020202020204" pitchFamily="34" charset="0"/>
+                <a:cs typeface="Arial" panose="020B0604020202020204" pitchFamily="34" charset="0"/>
+              </a:rPr>
+              <a:t>D </a:t>
+            </a:r>
+            <a:r>
+              <a:rPr lang="en-US" sz="1600" dirty="0">
+                <a:latin typeface="Arial" panose="020B0604020202020204" pitchFamily="34" charset="0"/>
+                <a:cs typeface="Arial" panose="020B0604020202020204" pitchFamily="34" charset="0"/>
+              </a:rPr>
+              <a:t>= 500000</a:t>
+            </a:r>
+          </a:p>
+          <a:p>
+            <a:r>
+              <a:rPr lang="en-US" sz="1600" dirty="0">
+                <a:latin typeface="Arial" panose="020B0604020202020204" pitchFamily="34" charset="0"/>
+                <a:cs typeface="Arial" panose="020B0604020202020204" pitchFamily="34" charset="0"/>
+              </a:rPr>
+              <a:t>N</a:t>
+            </a:r>
+            <a:r>
+              <a:rPr lang="en-US" sz="1600" baseline="-25000" dirty="0">
+                <a:latin typeface="Arial" panose="020B0604020202020204" pitchFamily="34" charset="0"/>
+                <a:cs typeface="Arial" panose="020B0604020202020204" pitchFamily="34" charset="0"/>
+              </a:rPr>
+              <a:t>B1 </a:t>
+            </a:r>
+            <a:r>
+              <a:rPr lang="en-US" sz="1600" dirty="0">
+                <a:latin typeface="Arial" panose="020B0604020202020204" pitchFamily="34" charset="0"/>
+                <a:cs typeface="Arial" panose="020B0604020202020204" pitchFamily="34" charset="0"/>
+              </a:rPr>
+              <a:t>= 10000; t</a:t>
+            </a:r>
+            <a:r>
+              <a:rPr lang="en-US" sz="1600" baseline="-25000" dirty="0">
+                <a:latin typeface="Arial" panose="020B0604020202020204" pitchFamily="34" charset="0"/>
+                <a:cs typeface="Arial" panose="020B0604020202020204" pitchFamily="34" charset="0"/>
+              </a:rPr>
+              <a:t>d1 </a:t>
+            </a:r>
+            <a:r>
+              <a:rPr lang="en-US" sz="1600" dirty="0">
+                <a:latin typeface="Arial" panose="020B0604020202020204" pitchFamily="34" charset="0"/>
+                <a:cs typeface="Arial" panose="020B0604020202020204" pitchFamily="34" charset="0"/>
+              </a:rPr>
+              <a:t>= 10000</a:t>
+            </a:r>
+          </a:p>
+        </p:txBody>
+      </p:sp>
+      <p:sp>
+        <p:nvSpPr>
+          <p:cNvPr id="37" name="TextBox 36">
+            <a:extLst>
+              <a:ext uri="{FF2B5EF4-FFF2-40B4-BE49-F238E27FC236}">
+                <a16:creationId xmlns:a16="http://schemas.microsoft.com/office/drawing/2014/main" id="{85E98F17-B501-7A4F-9A09-DA4302590796}"/>
+              </a:ext>
+            </a:extLst>
+          </p:cNvPr>
+          <p:cNvSpPr txBox="1"/>
+          <p:nvPr/>
+        </p:nvSpPr>
+        <p:spPr>
+          <a:xfrm>
+            <a:off x="6791307" y="11523290"/>
+            <a:ext cx="4969769" cy="584775"/>
+          </a:xfrm>
+          <a:prstGeom prst="rect">
+            <a:avLst/>
+          </a:prstGeom>
+          <a:noFill/>
+          <a:ln>
+            <a:solidFill>
+              <a:schemeClr val="tx1"/>
+            </a:solidFill>
+          </a:ln>
+        </p:spPr>
+        <p:txBody>
+          <a:bodyPr wrap="square" rtlCol="0">
+            <a:spAutoFit/>
+          </a:bodyPr>
+          <a:lstStyle/>
+          <a:p>
+            <a:r>
+              <a:rPr lang="en-US" sz="1600" dirty="0">
+                <a:latin typeface="Arial" panose="020B0604020202020204" pitchFamily="34" charset="0"/>
+                <a:cs typeface="Arial" panose="020B0604020202020204" pitchFamily="34" charset="0"/>
+              </a:rPr>
+              <a:t>Fixed: N</a:t>
+            </a:r>
+            <a:r>
+              <a:rPr lang="en-US" sz="1600" baseline="-25000" dirty="0">
+                <a:latin typeface="Arial" panose="020B0604020202020204" pitchFamily="34" charset="0"/>
+                <a:cs typeface="Arial" panose="020B0604020202020204" pitchFamily="34" charset="0"/>
+              </a:rPr>
+              <a:t>A</a:t>
+            </a:r>
+            <a:r>
+              <a:rPr lang="en-US" sz="1600" dirty="0">
+                <a:latin typeface="Arial" panose="020B0604020202020204" pitchFamily="34" charset="0"/>
+                <a:cs typeface="Arial" panose="020B0604020202020204" pitchFamily="34" charset="0"/>
+              </a:rPr>
+              <a:t> = N</a:t>
+            </a:r>
+            <a:r>
+              <a:rPr lang="en-US" sz="1600" baseline="-25000" dirty="0">
+                <a:latin typeface="Arial" panose="020B0604020202020204" pitchFamily="34" charset="0"/>
+                <a:cs typeface="Arial" panose="020B0604020202020204" pitchFamily="34" charset="0"/>
+              </a:rPr>
+              <a:t>D </a:t>
+            </a:r>
+            <a:r>
+              <a:rPr lang="en-US" sz="1600" dirty="0">
+                <a:latin typeface="Arial" panose="020B0604020202020204" pitchFamily="34" charset="0"/>
+                <a:cs typeface="Arial" panose="020B0604020202020204" pitchFamily="34" charset="0"/>
+              </a:rPr>
+              <a:t>= 500000</a:t>
+            </a:r>
+          </a:p>
+          <a:p>
+            <a:r>
+              <a:rPr lang="en-US" sz="1600" dirty="0">
+                <a:latin typeface="Arial" panose="020B0604020202020204" pitchFamily="34" charset="0"/>
+                <a:cs typeface="Arial" panose="020B0604020202020204" pitchFamily="34" charset="0"/>
+              </a:rPr>
+              <a:t>Estimated: N</a:t>
+            </a:r>
+            <a:r>
+              <a:rPr lang="en-US" sz="1600" baseline="-25000" dirty="0">
+                <a:latin typeface="Arial" panose="020B0604020202020204" pitchFamily="34" charset="0"/>
+                <a:cs typeface="Arial" panose="020B0604020202020204" pitchFamily="34" charset="0"/>
+              </a:rPr>
+              <a:t>B2</a:t>
+            </a:r>
+            <a:r>
+              <a:rPr lang="en-US" sz="1600" dirty="0">
+                <a:latin typeface="Arial" panose="020B0604020202020204" pitchFamily="34" charset="0"/>
+                <a:cs typeface="Arial" panose="020B0604020202020204" pitchFamily="34" charset="0"/>
+              </a:rPr>
+              <a:t> ~</a:t>
+            </a:r>
+            <a:r>
+              <a:rPr lang="en-US" sz="1600" baseline="-25000" dirty="0">
+                <a:latin typeface="Arial" panose="020B0604020202020204" pitchFamily="34" charset="0"/>
+                <a:cs typeface="Arial" panose="020B0604020202020204" pitchFamily="34" charset="0"/>
+              </a:rPr>
+              <a:t> </a:t>
+            </a:r>
+            <a:r>
+              <a:rPr lang="en-US" sz="1600" dirty="0">
+                <a:latin typeface="Arial" panose="020B0604020202020204" pitchFamily="34" charset="0"/>
+                <a:cs typeface="Arial" panose="020B0604020202020204" pitchFamily="34" charset="0"/>
+              </a:rPr>
+              <a:t>[79824-141313]; t</a:t>
+            </a:r>
+            <a:r>
+              <a:rPr lang="en-US" sz="1600" baseline="-25000" dirty="0">
+                <a:latin typeface="Arial" panose="020B0604020202020204" pitchFamily="34" charset="0"/>
+                <a:cs typeface="Arial" panose="020B0604020202020204" pitchFamily="34" charset="0"/>
+              </a:rPr>
+              <a:t>d2</a:t>
+            </a:r>
+            <a:r>
+              <a:rPr lang="en-US" sz="1600" dirty="0">
+                <a:latin typeface="Arial" panose="020B0604020202020204" pitchFamily="34" charset="0"/>
+                <a:cs typeface="Arial" panose="020B0604020202020204" pitchFamily="34" charset="0"/>
+              </a:rPr>
+              <a:t> ~ [8764-25348]</a:t>
+            </a:r>
+          </a:p>
+        </p:txBody>
+      </p:sp>
     </p:spTree>
     <p:extLst>
       <p:ext uri="{BB962C8B-B14F-4D97-AF65-F5344CB8AC3E}">
